--- a/Presentations/03 Images and Strings - 19 Feb.pptx
+++ b/Presentations/03 Images and Strings - 19 Feb.pptx
@@ -50,7 +50,7 @@
     <p:sldId id="292" r:id="rId41"/>
     <p:sldId id="293" r:id="rId42"/>
     <p:sldId id="294" r:id="rId43"/>
-    <p:sldId id="298" r:id="rId44"/>
+    <p:sldId id="301" r:id="rId44"/>
   </p:sldIdLst>
   <p:sldSz cx="12192000" cy="6858000"/>
   <p:notesSz cx="6858000" cy="9144000"/>
@@ -239,7 +239,7 @@
           <a:p>
             <a:fld id="{A2BB73C4-16E3-4227-A35C-75254D0F5326}" type="datetimeFigureOut">
               <a:rPr lang="en-US" smtClean="0"/>
-              <a:t>2/19/2018</a:t>
+              <a:t>10/1/2018</a:t>
             </a:fld>
             <a:endParaRPr lang="en-US"/>
           </a:p>
@@ -599,93 +599,6 @@
 </p:notes>
 </file>
 
-<file path=ppt/notesSlides/notesSlide10.xml><?xml version="1.0" encoding="utf-8"?>
-<p:notes xmlns:a="http://schemas.openxmlformats.org/drawingml/2006/main" xmlns:r="http://schemas.openxmlformats.org/officeDocument/2006/relationships" xmlns:p="http://schemas.openxmlformats.org/presentationml/2006/main">
-  <p:cSld>
-    <p:spTree>
-      <p:nvGrpSpPr>
-        <p:cNvPr id="1" name=""/>
-        <p:cNvGrpSpPr/>
-        <p:nvPr/>
-      </p:nvGrpSpPr>
-      <p:grpSpPr>
-        <a:xfrm>
-          <a:off x="0" y="0"/>
-          <a:ext cx="0" cy="0"/>
-          <a:chOff x="0" y="0"/>
-          <a:chExt cx="0" cy="0"/>
-        </a:xfrm>
-      </p:grpSpPr>
-      <p:sp>
-        <p:nvSpPr>
-          <p:cNvPr id="2" name="Slide Image Placeholder 1"/>
-          <p:cNvSpPr>
-            <a:spLocks noGrp="1" noRot="1" noChangeAspect="1"/>
-          </p:cNvSpPr>
-          <p:nvPr>
-            <p:ph type="sldImg"/>
-          </p:nvPr>
-        </p:nvSpPr>
-        <p:spPr/>
-      </p:sp>
-      <p:sp>
-        <p:nvSpPr>
-          <p:cNvPr id="3" name="Notes Placeholder 2"/>
-          <p:cNvSpPr>
-            <a:spLocks noGrp="1"/>
-          </p:cNvSpPr>
-          <p:nvPr>
-            <p:ph type="body" idx="1"/>
-          </p:nvPr>
-        </p:nvSpPr>
-        <p:spPr/>
-        <p:txBody>
-          <a:bodyPr/>
-          <a:lstStyle/>
-          <a:p>
-            <a:r>
-              <a:rPr lang="en-US"/>
-              <a:t>Intro next week: Feb 26, play with ideas, March 5 is a lab, due the Friday before break.</a:t>
-            </a:r>
-          </a:p>
-        </p:txBody>
-      </p:sp>
-      <p:sp>
-        <p:nvSpPr>
-          <p:cNvPr id="4" name="Slide Number Placeholder 3"/>
-          <p:cNvSpPr>
-            <a:spLocks noGrp="1"/>
-          </p:cNvSpPr>
-          <p:nvPr>
-            <p:ph type="sldNum" sz="quarter" idx="10"/>
-          </p:nvPr>
-        </p:nvSpPr>
-        <p:spPr/>
-        <p:txBody>
-          <a:bodyPr/>
-          <a:lstStyle/>
-          <a:p>
-            <a:fld id="{AC408456-6706-4361-8B8B-F92882954039}" type="slidenum">
-              <a:rPr lang="en-US" smtClean="0"/>
-              <a:t>43</a:t>
-            </a:fld>
-            <a:endParaRPr lang="en-US"/>
-          </a:p>
-        </p:txBody>
-      </p:sp>
-    </p:spTree>
-    <p:extLst>
-      <p:ext uri="{BB962C8B-B14F-4D97-AF65-F5344CB8AC3E}">
-        <p14:creationId xmlns:p14="http://schemas.microsoft.com/office/powerpoint/2010/main" val="808615843"/>
-      </p:ext>
-    </p:extLst>
-  </p:cSld>
-  <p:clrMapOvr>
-    <a:masterClrMapping/>
-  </p:clrMapOvr>
-</p:notes>
-</file>
-
 <file path=ppt/notesSlides/notesSlide2.xml><?xml version="1.0" encoding="utf-8"?>
 <p:notes xmlns:a="http://schemas.openxmlformats.org/drawingml/2006/main" xmlns:r="http://schemas.openxmlformats.org/officeDocument/2006/relationships" xmlns:p="http://schemas.openxmlformats.org/presentationml/2006/main">
   <p:cSld>
@@ -1531,7 +1444,7 @@
           <a:p>
             <a:fld id="{7D0C5716-21FB-4194-B83D-61B71797DE3C}" type="datetimeFigureOut">
               <a:rPr lang="en-US" smtClean="0"/>
-              <a:t>2/19/2018</a:t>
+              <a:t>10/1/2018</a:t>
             </a:fld>
             <a:endParaRPr lang="en-US"/>
           </a:p>
@@ -1701,7 +1614,7 @@
           <a:p>
             <a:fld id="{7D0C5716-21FB-4194-B83D-61B71797DE3C}" type="datetimeFigureOut">
               <a:rPr lang="en-US" smtClean="0"/>
-              <a:t>2/19/2018</a:t>
+              <a:t>10/1/2018</a:t>
             </a:fld>
             <a:endParaRPr lang="en-US"/>
           </a:p>
@@ -1881,7 +1794,7 @@
           <a:p>
             <a:fld id="{7D0C5716-21FB-4194-B83D-61B71797DE3C}" type="datetimeFigureOut">
               <a:rPr lang="en-US" smtClean="0"/>
-              <a:t>2/19/2018</a:t>
+              <a:t>10/1/2018</a:t>
             </a:fld>
             <a:endParaRPr lang="en-US"/>
           </a:p>
@@ -2051,7 +1964,7 @@
           <a:p>
             <a:fld id="{7D0C5716-21FB-4194-B83D-61B71797DE3C}" type="datetimeFigureOut">
               <a:rPr lang="en-US" smtClean="0"/>
-              <a:t>2/19/2018</a:t>
+              <a:t>10/1/2018</a:t>
             </a:fld>
             <a:endParaRPr lang="en-US"/>
           </a:p>
@@ -2297,7 +2210,7 @@
           <a:p>
             <a:fld id="{7D0C5716-21FB-4194-B83D-61B71797DE3C}" type="datetimeFigureOut">
               <a:rPr lang="en-US" smtClean="0"/>
-              <a:t>2/19/2018</a:t>
+              <a:t>10/1/2018</a:t>
             </a:fld>
             <a:endParaRPr lang="en-US"/>
           </a:p>
@@ -2529,7 +2442,7 @@
           <a:p>
             <a:fld id="{7D0C5716-21FB-4194-B83D-61B71797DE3C}" type="datetimeFigureOut">
               <a:rPr lang="en-US" smtClean="0"/>
-              <a:t>2/19/2018</a:t>
+              <a:t>10/1/2018</a:t>
             </a:fld>
             <a:endParaRPr lang="en-US"/>
           </a:p>
@@ -2896,7 +2809,7 @@
           <a:p>
             <a:fld id="{7D0C5716-21FB-4194-B83D-61B71797DE3C}" type="datetimeFigureOut">
               <a:rPr lang="en-US" smtClean="0"/>
-              <a:t>2/19/2018</a:t>
+              <a:t>10/1/2018</a:t>
             </a:fld>
             <a:endParaRPr lang="en-US"/>
           </a:p>
@@ -3014,7 +2927,7 @@
           <a:p>
             <a:fld id="{7D0C5716-21FB-4194-B83D-61B71797DE3C}" type="datetimeFigureOut">
               <a:rPr lang="en-US" smtClean="0"/>
-              <a:t>2/19/2018</a:t>
+              <a:t>10/1/2018</a:t>
             </a:fld>
             <a:endParaRPr lang="en-US"/>
           </a:p>
@@ -3109,7 +3022,7 @@
           <a:p>
             <a:fld id="{7D0C5716-21FB-4194-B83D-61B71797DE3C}" type="datetimeFigureOut">
               <a:rPr lang="en-US" smtClean="0"/>
-              <a:t>2/19/2018</a:t>
+              <a:t>10/1/2018</a:t>
             </a:fld>
             <a:endParaRPr lang="en-US"/>
           </a:p>
@@ -3386,7 +3299,7 @@
           <a:p>
             <a:fld id="{7D0C5716-21FB-4194-B83D-61B71797DE3C}" type="datetimeFigureOut">
               <a:rPr lang="en-US" smtClean="0"/>
-              <a:t>2/19/2018</a:t>
+              <a:t>10/1/2018</a:t>
             </a:fld>
             <a:endParaRPr lang="en-US"/>
           </a:p>
@@ -3643,7 +3556,7 @@
           <a:p>
             <a:fld id="{7D0C5716-21FB-4194-B83D-61B71797DE3C}" type="datetimeFigureOut">
               <a:rPr lang="en-US" smtClean="0"/>
-              <a:t>2/19/2018</a:t>
+              <a:t>10/1/2018</a:t>
             </a:fld>
             <a:endParaRPr lang="en-US"/>
           </a:p>
@@ -3856,7 +3769,7 @@
           <a:p>
             <a:fld id="{7D0C5716-21FB-4194-B83D-61B71797DE3C}" type="datetimeFigureOut">
               <a:rPr lang="en-US" smtClean="0"/>
-              <a:t>2/19/2018</a:t>
+              <a:t>10/1/2018</a:t>
             </a:fld>
             <a:endParaRPr lang="en-US"/>
           </a:p>
@@ -12168,7 +12081,7 @@
           <p:cNvPr id="2" name="Title 1">
             <a:extLst>
               <a:ext uri="{FF2B5EF4-FFF2-40B4-BE49-F238E27FC236}">
-                <a16:creationId xmlns:a16="http://schemas.microsoft.com/office/drawing/2014/main" id="{BAF4E430-04DF-400D-ADA5-5427A55E6BBA}"/>
+                <a16:creationId xmlns:a16="http://schemas.microsoft.com/office/drawing/2014/main" id="{9A86B96A-FD59-4D7E-A561-DE96B70B6C31}"/>
               </a:ext>
             </a:extLst>
           </p:cNvPr>
@@ -12186,7 +12099,7 @@
           <a:p>
             <a:r>
               <a:rPr lang="en-US"/>
-              <a:t>Think of Midterm Ideas</a:t>
+              <a:t>Sounds</a:t>
             </a:r>
           </a:p>
         </p:txBody>
@@ -12196,7 +12109,7 @@
           <p:cNvPr id="3" name="Text Placeholder 2">
             <a:extLst>
               <a:ext uri="{FF2B5EF4-FFF2-40B4-BE49-F238E27FC236}">
-                <a16:creationId xmlns:a16="http://schemas.microsoft.com/office/drawing/2014/main" id="{F6D9381C-7469-43CE-B43A-EA0F036221B1}"/>
+                <a16:creationId xmlns:a16="http://schemas.microsoft.com/office/drawing/2014/main" id="{C42603BD-04F9-42EC-9AD0-45581315AD82}"/>
               </a:ext>
             </a:extLst>
           </p:cNvPr>
@@ -12214,19 +12127,7 @@
           <a:p>
             <a:r>
               <a:rPr lang="en-US"/>
-              <a:t>Something you’re passionate about.</a:t>
-            </a:r>
-          </a:p>
-          <a:p>
-            <a:r>
-              <a:rPr lang="en-US"/>
-              <a:t>Something you never got to try.</a:t>
-            </a:r>
-          </a:p>
-          <a:p>
-            <a:r>
-              <a:rPr lang="en-US"/>
-              <a:t>Something in the news that inspired you.</a:t>
+              <a:t>Time to fire up Processing</a:t>
             </a:r>
           </a:p>
         </p:txBody>
@@ -12234,7 +12135,7 @@
     </p:spTree>
     <p:extLst>
       <p:ext uri="{BB962C8B-B14F-4D97-AF65-F5344CB8AC3E}">
-        <p14:creationId xmlns:p14="http://schemas.microsoft.com/office/powerpoint/2010/main" val="3347473398"/>
+        <p14:creationId xmlns:p14="http://schemas.microsoft.com/office/powerpoint/2010/main" val="3124987119"/>
       </p:ext>
     </p:extLst>
   </p:cSld>
